--- a/Modern search.pptx
+++ b/Modern search.pptx
@@ -182,7 +182,16 @@
       </a:defRPr>
     </a:lvl9pPr>
   </p:defaultTextStyle>
+  <p:extLst>
+    <p:ext uri="{EFAFB233-063F-42B5-8137-9DF3F51BA10A}">
+      <p15:sldGuideLst xmlns:p15="http://schemas.microsoft.com/office/powerpoint/2012/main"/>
+    </p:ext>
+  </p:extLst>
 </p:presentation>
+</file>
+
+<file path=ppt/revisionInfo.xml><?xml version="1.0" encoding="utf-8"?>
+<p1510:revInfo xmlns:a="http://schemas.openxmlformats.org/drawingml/2006/main" xmlns:r="http://schemas.openxmlformats.org/officeDocument/2006/relationships" xmlns:p1510="http://schemas.microsoft.com/office/powerpoint/2015/10/main"/>
 </file>
 
 <file path=ppt/notesMasters/notesMaster1.xml><?xml version="1.0" encoding="utf-8"?>
@@ -267,7 +276,7 @@
           <a:p>
             <a:fld id="{BEEA952F-EB11-4F86-BFCF-60AB6E28432A}" type="datetimeFigureOut">
               <a:rPr lang="en-US" smtClean="0"/>
-              <a:t>5/16/2017</a:t>
+              <a:t>5/17/2017</a:t>
             </a:fld>
             <a:endParaRPr lang="en-US"/>
           </a:p>
@@ -5079,7 +5088,7 @@
             <a:fld id="{B61BEF0D-F0BB-DE4B-95CE-6DB70DBA9567}" type="datetimeFigureOut">
               <a:rPr lang="en-US" dirty="0"/>
               <a:pPr/>
-              <a:t>5/16/2017</a:t>
+              <a:t>5/17/2017</a:t>
             </a:fld>
             <a:endParaRPr lang="en-US" dirty="0"/>
           </a:p>
@@ -5367,7 +5376,7 @@
             <a:fld id="{B61BEF0D-F0BB-DE4B-95CE-6DB70DBA9567}" type="datetimeFigureOut">
               <a:rPr lang="en-US" dirty="0"/>
               <a:pPr/>
-              <a:t>5/16/2017</a:t>
+              <a:t>5/17/2017</a:t>
             </a:fld>
             <a:endParaRPr lang="en-US" dirty="0"/>
           </a:p>
@@ -5612,7 +5621,7 @@
             <a:fld id="{B61BEF0D-F0BB-DE4B-95CE-6DB70DBA9567}" type="datetimeFigureOut">
               <a:rPr lang="en-US" dirty="0"/>
               <a:pPr/>
-              <a:t>5/16/2017</a:t>
+              <a:t>5/17/2017</a:t>
             </a:fld>
             <a:endParaRPr lang="en-US" dirty="0"/>
           </a:p>
@@ -6145,7 +6154,7 @@
             <a:fld id="{B61BEF0D-F0BB-DE4B-95CE-6DB70DBA9567}" type="datetimeFigureOut">
               <a:rPr lang="en-US" dirty="0"/>
               <a:pPr/>
-              <a:t>5/16/2017</a:t>
+              <a:t>5/17/2017</a:t>
             </a:fld>
             <a:endParaRPr lang="en-US" dirty="0"/>
           </a:p>
@@ -6390,7 +6399,7 @@
             <a:fld id="{B61BEF0D-F0BB-DE4B-95CE-6DB70DBA9567}" type="datetimeFigureOut">
               <a:rPr lang="en-US" dirty="0"/>
               <a:pPr/>
-              <a:t>5/16/2017</a:t>
+              <a:t>5/17/2017</a:t>
             </a:fld>
             <a:endParaRPr lang="en-US" dirty="0"/>
           </a:p>
@@ -6930,7 +6939,7 @@
             <a:fld id="{B61BEF0D-F0BB-DE4B-95CE-6DB70DBA9567}" type="datetimeFigureOut">
               <a:rPr lang="en-US" dirty="0"/>
               <a:pPr/>
-              <a:t>5/16/2017</a:t>
+              <a:t>5/17/2017</a:t>
             </a:fld>
             <a:endParaRPr lang="en-US" dirty="0"/>
           </a:p>
@@ -7237,7 +7246,7 @@
             <a:fld id="{B61BEF0D-F0BB-DE4B-95CE-6DB70DBA9567}" type="datetimeFigureOut">
               <a:rPr lang="en-US" dirty="0"/>
               <a:pPr/>
-              <a:t>5/16/2017</a:t>
+              <a:t>5/17/2017</a:t>
             </a:fld>
             <a:endParaRPr lang="en-US" dirty="0"/>
           </a:p>
@@ -7409,7 +7418,7 @@
             <a:fld id="{B61BEF0D-F0BB-DE4B-95CE-6DB70DBA9567}" type="datetimeFigureOut">
               <a:rPr lang="en-US" dirty="0"/>
               <a:pPr/>
-              <a:t>5/16/2017</a:t>
+              <a:t>5/17/2017</a:t>
             </a:fld>
             <a:endParaRPr lang="en-US" dirty="0"/>
           </a:p>
@@ -7586,7 +7595,7 @@
             <a:fld id="{B61BEF0D-F0BB-DE4B-95CE-6DB70DBA9567}" type="datetimeFigureOut">
               <a:rPr lang="en-US" dirty="0"/>
               <a:pPr/>
-              <a:t>5/16/2017</a:t>
+              <a:t>5/17/2017</a:t>
             </a:fld>
             <a:endParaRPr lang="en-US" dirty="0"/>
           </a:p>
@@ -7753,7 +7762,7 @@
             <a:fld id="{B61BEF0D-F0BB-DE4B-95CE-6DB70DBA9567}" type="datetimeFigureOut">
               <a:rPr lang="en-US" dirty="0"/>
               <a:pPr/>
-              <a:t>5/16/2017</a:t>
+              <a:t>5/17/2017</a:t>
             </a:fld>
             <a:endParaRPr lang="en-US" dirty="0"/>
           </a:p>
@@ -7996,7 +8005,7 @@
             <a:fld id="{B61BEF0D-F0BB-DE4B-95CE-6DB70DBA9567}" type="datetimeFigureOut">
               <a:rPr lang="en-US" dirty="0"/>
               <a:pPr/>
-              <a:t>5/16/2017</a:t>
+              <a:t>5/17/2017</a:t>
             </a:fld>
             <a:endParaRPr lang="en-US" dirty="0"/>
           </a:p>
@@ -8285,7 +8294,7 @@
             <a:fld id="{B61BEF0D-F0BB-DE4B-95CE-6DB70DBA9567}" type="datetimeFigureOut">
               <a:rPr lang="en-US" dirty="0"/>
               <a:pPr/>
-              <a:t>5/16/2017</a:t>
+              <a:t>5/17/2017</a:t>
             </a:fld>
             <a:endParaRPr lang="en-US" dirty="0"/>
           </a:p>
@@ -8712,7 +8721,7 @@
             <a:fld id="{B61BEF0D-F0BB-DE4B-95CE-6DB70DBA9567}" type="datetimeFigureOut">
               <a:rPr lang="en-US" dirty="0"/>
               <a:pPr/>
-              <a:t>5/16/2017</a:t>
+              <a:t>5/17/2017</a:t>
             </a:fld>
             <a:endParaRPr lang="en-US" dirty="0"/>
           </a:p>
@@ -8832,7 +8841,7 @@
             <a:fld id="{B61BEF0D-F0BB-DE4B-95CE-6DB70DBA9567}" type="datetimeFigureOut">
               <a:rPr lang="en-US" dirty="0"/>
               <a:pPr/>
-              <a:t>5/16/2017</a:t>
+              <a:t>5/17/2017</a:t>
             </a:fld>
             <a:endParaRPr lang="en-US" dirty="0"/>
           </a:p>
@@ -8924,7 +8933,7 @@
             <a:fld id="{B61BEF0D-F0BB-DE4B-95CE-6DB70DBA9567}" type="datetimeFigureOut">
               <a:rPr lang="en-US" dirty="0"/>
               <a:pPr/>
-              <a:t>5/16/2017</a:t>
+              <a:t>5/17/2017</a:t>
             </a:fld>
             <a:endParaRPr lang="en-US" dirty="0"/>
           </a:p>
@@ -9204,7 +9213,7 @@
             <a:fld id="{B61BEF0D-F0BB-DE4B-95CE-6DB70DBA9567}" type="datetimeFigureOut">
               <a:rPr lang="en-US" dirty="0"/>
               <a:pPr/>
-              <a:t>5/16/2017</a:t>
+              <a:t>5/17/2017</a:t>
             </a:fld>
             <a:endParaRPr lang="en-US" dirty="0"/>
           </a:p>
@@ -9492,7 +9501,7 @@
             <a:fld id="{B61BEF0D-F0BB-DE4B-95CE-6DB70DBA9567}" type="datetimeFigureOut">
               <a:rPr lang="en-US" dirty="0"/>
               <a:pPr/>
-              <a:t>5/16/2017</a:t>
+              <a:t>5/17/2017</a:t>
             </a:fld>
             <a:endParaRPr lang="en-US" dirty="0"/>
           </a:p>
@@ -9720,7 +9729,7 @@
             <a:fld id="{B61BEF0D-F0BB-DE4B-95CE-6DB70DBA9567}" type="datetimeFigureOut">
               <a:rPr lang="en-US" dirty="0"/>
               <a:pPr/>
-              <a:t>5/16/2017</a:t>
+              <a:t>5/17/2017</a:t>
             </a:fld>
             <a:endParaRPr lang="en-US" dirty="0"/>
           </a:p>
@@ -15889,7 +15898,23 @@
           <a:bodyPr/>
           <a:lstStyle/>
           <a:p>
-            <a:endParaRPr lang="en-US"/>
+            <a:r>
+              <a:rPr lang="en-US" dirty="0"/>
+              <a:t>Github.com/</a:t>
+            </a:r>
+            <a:r>
+              <a:rPr lang="en-US" dirty="0" err="1"/>
+              <a:t>ifranto</a:t>
+            </a:r>
+            <a:r>
+              <a:rPr lang="en-US" dirty="0"/>
+              <a:t>/</a:t>
+            </a:r>
+            <a:r>
+              <a:rPr lang="en-US" dirty="0" err="1"/>
+              <a:t>modernsearch</a:t>
+            </a:r>
+            <a:endParaRPr lang="en-US" dirty="0"/>
           </a:p>
         </p:txBody>
       </p:sp>
